--- a/materials/presentations/Big data.pptx
+++ b/materials/presentations/Big data.pptx
@@ -136,6 +136,43 @@
 </p:presentation>
 </file>
 
+<file path=ppt/revisionInfo.xml><?xml version="1.0" encoding="utf-8"?>
+<p1510:revInfo xmlns:a="http://schemas.openxmlformats.org/drawingml/2006/main" xmlns:r="http://schemas.openxmlformats.org/officeDocument/2006/relationships" xmlns:p1510="http://schemas.microsoft.com/office/powerpoint/2015/10/main">
+  <p1510:revLst>
+    <p1510:client id="{D90606BA-E934-A40B-D95A-CCDFC278848E}" v="7" dt="2023-09-28T14:25:50.748"/>
+  </p1510:revLst>
+</p1510:revInfo>
+</file>
+
+<file path=ppt/changesInfos/changesInfo1.xml><?xml version="1.0" encoding="utf-8"?>
+<pc:chgInfo xmlns:a="http://schemas.openxmlformats.org/drawingml/2006/main" xmlns:r="http://schemas.openxmlformats.org/officeDocument/2006/relationships" xmlns:ac="http://schemas.microsoft.com/office/drawing/2013/main/command" xmlns:pc="http://schemas.microsoft.com/office/powerpoint/2013/main/command">
+  <pc:docChgLst>
+    <pc:chgData name="Aleksander Buczek" userId="S::aleksander.buczek@wroclaw.merito.pl::214dcb20-0035-4e74-a70c-49226de76d7c" providerId="AD" clId="Web-{D90606BA-E934-A40B-D95A-CCDFC278848E}"/>
+    <pc:docChg chg="modSld">
+      <pc:chgData name="Aleksander Buczek" userId="S::aleksander.buczek@wroclaw.merito.pl::214dcb20-0035-4e74-a70c-49226de76d7c" providerId="AD" clId="Web-{D90606BA-E934-A40B-D95A-CCDFC278848E}" dt="2023-09-28T14:25:50.638" v="6" actId="20577"/>
+      <pc:docMkLst>
+        <pc:docMk/>
+      </pc:docMkLst>
+      <pc:sldChg chg="modSp">
+        <pc:chgData name="Aleksander Buczek" userId="S::aleksander.buczek@wroclaw.merito.pl::214dcb20-0035-4e74-a70c-49226de76d7c" providerId="AD" clId="Web-{D90606BA-E934-A40B-D95A-CCDFC278848E}" dt="2023-09-28T14:25:50.638" v="6" actId="20577"/>
+        <pc:sldMkLst>
+          <pc:docMk/>
+          <pc:sldMk cId="1309279033" sldId="256"/>
+        </pc:sldMkLst>
+        <pc:spChg chg="mod">
+          <ac:chgData name="Aleksander Buczek" userId="S::aleksander.buczek@wroclaw.merito.pl::214dcb20-0035-4e74-a70c-49226de76d7c" providerId="AD" clId="Web-{D90606BA-E934-A40B-D95A-CCDFC278848E}" dt="2023-09-28T14:25:50.638" v="6" actId="20577"/>
+          <ac:spMkLst>
+            <pc:docMk/>
+            <pc:sldMk cId="1309279033" sldId="256"/>
+            <ac:spMk id="3" creationId="{78063B09-2BE3-40A3-B3B9-6E643D5471BB}"/>
+          </ac:spMkLst>
+        </pc:spChg>
+      </pc:sldChg>
+    </pc:docChg>
+  </pc:docChgLst>
+</pc:chgInfo>
+</file>
+
 <file path=ppt/slideLayouts/slideLayout1.xml><?xml version="1.0" encoding="utf-8"?>
 <p:sldLayout xmlns:a="http://schemas.openxmlformats.org/drawingml/2006/main" xmlns:r="http://schemas.openxmlformats.org/officeDocument/2006/relationships" xmlns:p="http://schemas.openxmlformats.org/presentationml/2006/main" showMasterSp="0" type="title" preserve="1">
   <p:cSld name="Slajd tytułowy">
@@ -328,7 +365,7 @@
             <a:fld id="{B61BEF0D-F0BB-DE4B-95CE-6DB70DBA9567}" type="datetimeFigureOut">
               <a:rPr lang="en-US" dirty="0"/>
               <a:pPr/>
-              <a:t>2/5/2022</a:t>
+              <a:t>9/28/2023</a:t>
             </a:fld>
             <a:endParaRPr lang="en-US" dirty="0"/>
           </a:p>
@@ -761,7 +798,7 @@
             <a:fld id="{B61BEF0D-F0BB-DE4B-95CE-6DB70DBA9567}" type="datetimeFigureOut">
               <a:rPr lang="en-US" dirty="0"/>
               <a:pPr/>
-              <a:t>2/5/2022</a:t>
+              <a:t>9/28/2023</a:t>
             </a:fld>
             <a:endParaRPr lang="en-US" dirty="0"/>
           </a:p>
@@ -1008,7 +1045,7 @@
             <a:fld id="{B61BEF0D-F0BB-DE4B-95CE-6DB70DBA9567}" type="datetimeFigureOut">
               <a:rPr lang="en-US" dirty="0"/>
               <a:pPr/>
-              <a:t>2/5/2022</a:t>
+              <a:t>9/28/2023</a:t>
             </a:fld>
             <a:endParaRPr lang="en-US" dirty="0"/>
           </a:p>
@@ -1313,7 +1350,7 @@
             <a:fld id="{B61BEF0D-F0BB-DE4B-95CE-6DB70DBA9567}" type="datetimeFigureOut">
               <a:rPr lang="en-US" dirty="0"/>
               <a:pPr/>
-              <a:t>2/5/2022</a:t>
+              <a:t>9/28/2023</a:t>
             </a:fld>
             <a:endParaRPr lang="en-US" dirty="0"/>
           </a:p>
@@ -1628,7 +1665,7 @@
             <a:fld id="{B61BEF0D-F0BB-DE4B-95CE-6DB70DBA9567}" type="datetimeFigureOut">
               <a:rPr lang="en-US" dirty="0"/>
               <a:pPr/>
-              <a:t>2/5/2022</a:t>
+              <a:t>9/28/2023</a:t>
             </a:fld>
             <a:endParaRPr lang="en-US" dirty="0"/>
           </a:p>
@@ -1927,7 +1964,7 @@
             <a:fld id="{B61BEF0D-F0BB-DE4B-95CE-6DB70DBA9567}" type="datetimeFigureOut">
               <a:rPr lang="en-US" dirty="0"/>
               <a:pPr/>
-              <a:t>2/5/2022</a:t>
+              <a:t>9/28/2023</a:t>
             </a:fld>
             <a:endParaRPr lang="en-US" dirty="0"/>
           </a:p>
@@ -2291,7 +2328,7 @@
             <a:fld id="{B61BEF0D-F0BB-DE4B-95CE-6DB70DBA9567}" type="datetimeFigureOut">
               <a:rPr lang="en-US" dirty="0"/>
               <a:pPr/>
-              <a:t>2/5/2022</a:t>
+              <a:t>9/28/2023</a:t>
             </a:fld>
             <a:endParaRPr lang="en-US" dirty="0"/>
           </a:p>
@@ -2462,7 +2499,7 @@
             <a:fld id="{B61BEF0D-F0BB-DE4B-95CE-6DB70DBA9567}" type="datetimeFigureOut">
               <a:rPr lang="en-US" dirty="0"/>
               <a:pPr/>
-              <a:t>2/5/2022</a:t>
+              <a:t>9/28/2023</a:t>
             </a:fld>
             <a:endParaRPr lang="en-US" dirty="0"/>
           </a:p>
@@ -2639,7 +2676,7 @@
             <a:fld id="{B61BEF0D-F0BB-DE4B-95CE-6DB70DBA9567}" type="datetimeFigureOut">
               <a:rPr lang="en-US" dirty="0"/>
               <a:pPr/>
-              <a:t>2/5/2022</a:t>
+              <a:t>9/28/2023</a:t>
             </a:fld>
             <a:endParaRPr lang="en-US" dirty="0"/>
           </a:p>
@@ -2806,7 +2843,7 @@
             <a:fld id="{B61BEF0D-F0BB-DE4B-95CE-6DB70DBA9567}" type="datetimeFigureOut">
               <a:rPr lang="en-US" dirty="0"/>
               <a:pPr/>
-              <a:t>2/5/2022</a:t>
+              <a:t>9/28/2023</a:t>
             </a:fld>
             <a:endParaRPr lang="en-US" dirty="0"/>
           </a:p>
@@ -3053,7 +3090,7 @@
             <a:fld id="{B61BEF0D-F0BB-DE4B-95CE-6DB70DBA9567}" type="datetimeFigureOut">
               <a:rPr lang="en-US" dirty="0"/>
               <a:pPr/>
-              <a:t>2/5/2022</a:t>
+              <a:t>9/28/2023</a:t>
             </a:fld>
             <a:endParaRPr lang="en-US" dirty="0"/>
           </a:p>
@@ -3286,7 +3323,7 @@
             <a:fld id="{B61BEF0D-F0BB-DE4B-95CE-6DB70DBA9567}" type="datetimeFigureOut">
               <a:rPr lang="en-US" dirty="0"/>
               <a:pPr/>
-              <a:t>2/5/2022</a:t>
+              <a:t>9/28/2023</a:t>
             </a:fld>
             <a:endParaRPr lang="en-US" dirty="0"/>
           </a:p>
@@ -3665,7 +3702,7 @@
             <a:fld id="{B61BEF0D-F0BB-DE4B-95CE-6DB70DBA9567}" type="datetimeFigureOut">
               <a:rPr lang="en-US" dirty="0"/>
               <a:pPr/>
-              <a:t>2/5/2022</a:t>
+              <a:t>9/28/2023</a:t>
             </a:fld>
             <a:endParaRPr lang="en-US" dirty="0"/>
           </a:p>
@@ -3780,7 +3817,7 @@
             <a:fld id="{B61BEF0D-F0BB-DE4B-95CE-6DB70DBA9567}" type="datetimeFigureOut">
               <a:rPr lang="en-US" dirty="0"/>
               <a:pPr/>
-              <a:t>2/5/2022</a:t>
+              <a:t>9/28/2023</a:t>
             </a:fld>
             <a:endParaRPr lang="en-US" dirty="0"/>
           </a:p>
@@ -3872,7 +3909,7 @@
             <a:fld id="{B61BEF0D-F0BB-DE4B-95CE-6DB70DBA9567}" type="datetimeFigureOut">
               <a:rPr lang="en-US" dirty="0"/>
               <a:pPr/>
-              <a:t>2/5/2022</a:t>
+              <a:t>9/28/2023</a:t>
             </a:fld>
             <a:endParaRPr lang="en-US" dirty="0"/>
           </a:p>
@@ -4124,7 +4161,7 @@
             <a:fld id="{B61BEF0D-F0BB-DE4B-95CE-6DB70DBA9567}" type="datetimeFigureOut">
               <a:rPr lang="en-US" dirty="0"/>
               <a:pPr/>
-              <a:t>2/5/2022</a:t>
+              <a:t>9/28/2023</a:t>
             </a:fld>
             <a:endParaRPr lang="en-US" dirty="0"/>
           </a:p>
@@ -4404,7 +4441,7 @@
             <a:fld id="{B61BEF0D-F0BB-DE4B-95CE-6DB70DBA9567}" type="datetimeFigureOut">
               <a:rPr lang="en-US" dirty="0"/>
               <a:pPr/>
-              <a:t>2/5/2022</a:t>
+              <a:t>9/28/2023</a:t>
             </a:fld>
             <a:endParaRPr lang="en-US" dirty="0"/>
           </a:p>
@@ -4807,7 +4844,7 @@
             <a:fld id="{B61BEF0D-F0BB-DE4B-95CE-6DB70DBA9567}" type="datetimeFigureOut">
               <a:rPr lang="en-US" dirty="0"/>
               <a:pPr/>
-              <a:t>2/5/2022</a:t>
+              <a:t>9/28/2023</a:t>
             </a:fld>
             <a:endParaRPr lang="en-US" dirty="0"/>
           </a:p>
@@ -5385,7 +5422,7 @@
         <p:spPr/>
         <p:txBody>
           <a:bodyPr>
-            <a:normAutofit fontScale="92500" lnSpcReduction="10000"/>
+            <a:normAutofit/>
           </a:bodyPr>
           <a:lstStyle/>
           <a:p>
@@ -5397,17 +5434,6 @@
               </a:rPr>
               <a:t>Temat: Big Data</a:t>
             </a:r>
-            <a:endParaRPr lang="pl-PL" dirty="0"/>
-          </a:p>
-          <a:p>
-            <a:r>
-              <a:rPr lang="pl-PL" dirty="0">
-                <a:solidFill>
-                  <a:schemeClr val="tx1"/>
-                </a:solidFill>
-              </a:rPr>
-              <a:t>Autor: Bartłomiej Parowicz</a:t>
-            </a:r>
             <a:br>
               <a:rPr lang="en-US" dirty="0">
                 <a:solidFill>
@@ -5415,7 +5441,7 @@
                 </a:solidFill>
               </a:rPr>
             </a:br>
-            <a:endParaRPr lang="en-US" dirty="0">
+            <a:endParaRPr lang="en-US">
               <a:solidFill>
                 <a:schemeClr val="tx1"/>
               </a:solidFill>
@@ -5454,7 +5480,7 @@
               <a:t>Kontakt: </a:t>
             </a:r>
             <a:r>
-              <a:rPr lang="en-US" dirty="0" err="1">
+              <a:rPr lang="en-US" dirty="0">
                 <a:solidFill>
                   <a:schemeClr val="tx1"/>
                 </a:solidFill>
@@ -5467,7 +5493,7 @@
                   <a:schemeClr val="tx1"/>
                 </a:solidFill>
               </a:rPr>
-              <a:t>@wroclaw.wsb.pl</a:t>
+              <a:t>@wroclaw.merito.pl</a:t>
             </a:r>
           </a:p>
         </p:txBody>
